--- a/slides/Lecture_8.pptx
+++ b/slides/Lecture_8.pptx
@@ -11731,16 +11731,12 @@
                   <a:srgbClr val="6AA84F"/>
                 </a:solidFill>
               </a:rPr>
-              <a:t>9</a:t>
-            </a:r>
-            <a:endParaRPr b="0" i="0" sz="1600" u="none" cap="none" strike="noStrike">
+              <a:t>8</a:t>
+            </a:r>
+            <a:endParaRPr sz="1600">
               <a:solidFill>
                 <a:srgbClr val="6AA84F"/>
               </a:solidFill>
-              <a:latin typeface="Arial"/>
-              <a:ea typeface="Arial"/>
-              <a:cs typeface="Arial"/>
-              <a:sym typeface="Arial"/>
             </a:endParaRPr>
           </a:p>
         </p:txBody>
@@ -11753,7 +11749,7 @@
         </p:nvSpPr>
         <p:spPr>
           <a:xfrm>
-            <a:off x="16050" y="18825"/>
+            <a:off x="16050" y="24750"/>
             <a:ext cx="9111900" cy="5094000"/>
           </a:xfrm>
           <a:prstGeom prst="rect">
@@ -14737,7 +14733,7 @@
             <a:tbl>
               <a:tblPr>
                 <a:noFill/>
-                <a:tableStyleId>{F70E220A-0F75-4F87-9552-CAA78759E104}</a:tableStyleId>
+                <a:tableStyleId>{B4D04992-6355-4A17-860E-B23C98BF9628}</a:tableStyleId>
               </a:tblPr>
               <a:tblGrid>
                 <a:gridCol w="3666300"/>
@@ -17177,7 +17173,7 @@
             <a:tbl>
               <a:tblPr>
                 <a:noFill/>
-                <a:tableStyleId>{F70E220A-0F75-4F87-9552-CAA78759E104}</a:tableStyleId>
+                <a:tableStyleId>{B4D04992-6355-4A17-860E-B23C98BF9628}</a:tableStyleId>
               </a:tblPr>
               <a:tblGrid>
                 <a:gridCol w="3666300"/>
@@ -20069,7 +20065,7 @@
             <a:tbl>
               <a:tblPr>
                 <a:noFill/>
-                <a:tableStyleId>{F70E220A-0F75-4F87-9552-CAA78759E104}</a:tableStyleId>
+                <a:tableStyleId>{B4D04992-6355-4A17-860E-B23C98BF9628}</a:tableStyleId>
               </a:tblPr>
               <a:tblGrid>
                 <a:gridCol w="3666300"/>
@@ -27131,7 +27127,7 @@
             <a:tbl>
               <a:tblPr>
                 <a:noFill/>
-                <a:tableStyleId>{F70E220A-0F75-4F87-9552-CAA78759E104}</a:tableStyleId>
+                <a:tableStyleId>{B4D04992-6355-4A17-860E-B23C98BF9628}</a:tableStyleId>
               </a:tblPr>
               <a:tblGrid>
                 <a:gridCol w="836700"/>
@@ -27401,7 +27397,7 @@
             <a:tbl>
               <a:tblPr>
                 <a:noFill/>
-                <a:tableStyleId>{F70E220A-0F75-4F87-9552-CAA78759E104}</a:tableStyleId>
+                <a:tableStyleId>{B4D04992-6355-4A17-860E-B23C98BF9628}</a:tableStyleId>
               </a:tblPr>
               <a:tblGrid>
                 <a:gridCol w="1299875"/>
@@ -29090,7 +29086,7 @@
             <a:tbl>
               <a:tblPr>
                 <a:noFill/>
-                <a:tableStyleId>{F70E220A-0F75-4F87-9552-CAA78759E104}</a:tableStyleId>
+                <a:tableStyleId>{B4D04992-6355-4A17-860E-B23C98BF9628}</a:tableStyleId>
               </a:tblPr>
               <a:tblGrid>
                 <a:gridCol w="3955675"/>
@@ -29220,7 +29216,7 @@
             <a:tbl>
               <a:tblPr>
                 <a:noFill/>
-                <a:tableStyleId>{F70E220A-0F75-4F87-9552-CAA78759E104}</a:tableStyleId>
+                <a:tableStyleId>{B4D04992-6355-4A17-860E-B23C98BF9628}</a:tableStyleId>
               </a:tblPr>
               <a:tblGrid>
                 <a:gridCol w="3955675"/>
@@ -29350,7 +29346,7 @@
             <a:tbl>
               <a:tblPr>
                 <a:noFill/>
-                <a:tableStyleId>{F70E220A-0F75-4F87-9552-CAA78759E104}</a:tableStyleId>
+                <a:tableStyleId>{B4D04992-6355-4A17-860E-B23C98BF9628}</a:tableStyleId>
               </a:tblPr>
               <a:tblGrid>
                 <a:gridCol w="3955675"/>
@@ -29631,7 +29627,7 @@
             <a:tbl>
               <a:tblPr>
                 <a:noFill/>
-                <a:tableStyleId>{F70E220A-0F75-4F87-9552-CAA78759E104}</a:tableStyleId>
+                <a:tableStyleId>{B4D04992-6355-4A17-860E-B23C98BF9628}</a:tableStyleId>
               </a:tblPr>
               <a:tblGrid>
                 <a:gridCol w="3666300"/>
@@ -32105,7 +32101,7 @@
             <a:tbl>
               <a:tblPr>
                 <a:noFill/>
-                <a:tableStyleId>{F70E220A-0F75-4F87-9552-CAA78759E104}</a:tableStyleId>
+                <a:tableStyleId>{B4D04992-6355-4A17-860E-B23C98BF9628}</a:tableStyleId>
               </a:tblPr>
               <a:tblGrid>
                 <a:gridCol w="3666300"/>
